--- a/P76081027_薛閔豪_2_final_project.pptx
+++ b/P76081027_薛閔豪_2_final_project.pptx
@@ -4519,11 +4519,7 @@
             </a:r>
             <a:r>
               <a:rPr lang="zh-TW" altLang="en-US" dirty="0" smtClean="0"/>
-              <a:t>的</a:t>
-            </a:r>
-            <a:r>
-              <a:rPr lang="zh-TW" altLang="en-US" dirty="0" smtClean="0"/>
-              <a:t>模型，並將此模型儲存為</a:t>
+              <a:t>的模型，並將此模型儲存為</a:t>
             </a:r>
             <a:r>
               <a:rPr lang="en-US" altLang="zh-TW" dirty="0" err="1" smtClean="0"/>
@@ -4560,6 +4556,48 @@
           </a:prstGeom>
         </p:spPr>
       </p:pic>
+      <p:sp>
+        <p:nvSpPr>
+          <p:cNvPr id="5" name="文字方塊 4"/>
+          <p:cNvSpPr txBox="1"/>
+          <p:nvPr/>
+        </p:nvSpPr>
+        <p:spPr>
+          <a:xfrm>
+            <a:off x="1379913" y="4596938"/>
+            <a:ext cx="5690982" cy="646331"/>
+          </a:xfrm>
+          <a:prstGeom prst="rect">
+            <a:avLst/>
+          </a:prstGeom>
+          <a:noFill/>
+        </p:spPr>
+        <p:txBody>
+          <a:bodyPr wrap="none" rtlCol="0">
+            <a:spAutoFit/>
+          </a:bodyPr>
+          <a:lstStyle/>
+          <a:p>
+            <a:r>
+              <a:rPr lang="en-US" altLang="zh-TW" dirty="0" err="1" smtClean="0"/>
+              <a:t>Github</a:t>
+            </a:r>
+            <a:r>
+              <a:rPr lang="en-US" altLang="zh-TW" dirty="0" smtClean="0"/>
+              <a:t>:</a:t>
+            </a:r>
+          </a:p>
+          <a:p>
+            <a:r>
+              <a:rPr lang="en-US" altLang="zh-TW" dirty="0">
+                <a:hlinkClick r:id="rId3"/>
+              </a:rPr>
+              <a:t>https://github.com/popo860623/OM2M_FinalProject</a:t>
+            </a:r>
+            <a:endParaRPr lang="zh-TW" altLang="en-US" dirty="0"/>
+          </a:p>
+        </p:txBody>
+      </p:sp>
     </p:spTree>
     <p:extLst>
       <p:ext uri="{BB962C8B-B14F-4D97-AF65-F5344CB8AC3E}">
